--- a/2024,ВКР,ПетровИС,ЯГТУ,ЭПИ-41.pptx
+++ b/2024,ВКР,ПетровИС,ЯГТУ,ЭПИ-41.pptx
@@ -5,24 +5,22 @@
     <p:sldMasterId id="2147483648" r:id="rId4"/>
   </p:sldMasterIdLst>
   <p:notesMasterIdLst>
-    <p:notesMasterId r:id="rId17"/>
+    <p:notesMasterId r:id="rId15"/>
   </p:notesMasterIdLst>
   <p:handoutMasterIdLst>
-    <p:handoutMasterId r:id="rId18"/>
+    <p:handoutMasterId r:id="rId16"/>
   </p:handoutMasterIdLst>
   <p:sldIdLst>
     <p:sldId id="279" r:id="rId5"/>
-    <p:sldId id="297" r:id="rId6"/>
-    <p:sldId id="298" r:id="rId7"/>
-    <p:sldId id="310" r:id="rId8"/>
-    <p:sldId id="302" r:id="rId9"/>
-    <p:sldId id="303" r:id="rId10"/>
-    <p:sldId id="309" r:id="rId11"/>
-    <p:sldId id="305" r:id="rId12"/>
-    <p:sldId id="311" r:id="rId13"/>
-    <p:sldId id="312" r:id="rId14"/>
-    <p:sldId id="306" r:id="rId15"/>
-    <p:sldId id="293" r:id="rId16"/>
+    <p:sldId id="298" r:id="rId6"/>
+    <p:sldId id="310" r:id="rId7"/>
+    <p:sldId id="302" r:id="rId8"/>
+    <p:sldId id="303" r:id="rId9"/>
+    <p:sldId id="309" r:id="rId10"/>
+    <p:sldId id="305" r:id="rId11"/>
+    <p:sldId id="311" r:id="rId12"/>
+    <p:sldId id="312" r:id="rId13"/>
+    <p:sldId id="306" r:id="rId14"/>
   </p:sldIdLst>
   <p:sldSz cx="10071100" cy="7562850"/>
   <p:notesSz cx="10071100" cy="7562850"/>
@@ -273,7 +271,7 @@
             <a:fld id="{21F090A8-5917-4B0A-8F20-74BE2C4B4EBB}" type="datetimeFigureOut">
               <a:rPr lang="ru-RU" smtClean="0"/>
               <a:pPr/>
-              <a:t>15.05.2024</a:t>
+              <a:t>10.06.2024</a:t>
             </a:fld>
             <a:endParaRPr lang="ru-RU"/>
           </a:p>
@@ -452,7 +450,7 @@
             <a:fld id="{3E72CB27-6399-47BA-8891-BD6EA7A12F65}" type="datetimeFigureOut">
               <a:rPr lang="ru-RU" smtClean="0"/>
               <a:pPr/>
-              <a:t>15.05.2024</a:t>
+              <a:t>10.06.2024</a:t>
             </a:fld>
             <a:endParaRPr lang="ru-RU"/>
           </a:p>
@@ -795,92 +793,7 @@
     </p:spTree>
     <p:extLst>
       <p:ext uri="{BB962C8B-B14F-4D97-AF65-F5344CB8AC3E}">
-        <p14:creationId xmlns:p14="http://schemas.microsoft.com/office/powerpoint/2010/main" val="2751600930"/>
-      </p:ext>
-    </p:extLst>
-  </p:cSld>
-  <p:clrMapOvr>
-    <a:masterClrMapping/>
-  </p:clrMapOvr>
-</p:notes>
-</file>
-
-<file path=ppt/notesSlides/notesSlide10.xml><?xml version="1.0" encoding="utf-8"?>
-<p:notes xmlns:a="http://schemas.openxmlformats.org/drawingml/2006/main" xmlns:r="http://schemas.openxmlformats.org/officeDocument/2006/relationships" xmlns:p="http://schemas.openxmlformats.org/presentationml/2006/main">
-  <p:cSld>
-    <p:spTree>
-      <p:nvGrpSpPr>
-        <p:cNvPr id="1" name=""/>
-        <p:cNvGrpSpPr/>
-        <p:nvPr/>
-      </p:nvGrpSpPr>
-      <p:grpSpPr>
-        <a:xfrm>
-          <a:off x="0" y="0"/>
-          <a:ext cx="0" cy="0"/>
-          <a:chOff x="0" y="0"/>
-          <a:chExt cx="0" cy="0"/>
-        </a:xfrm>
-      </p:grpSpPr>
-      <p:sp>
-        <p:nvSpPr>
-          <p:cNvPr id="2" name="Образ слайда 1"/>
-          <p:cNvSpPr>
-            <a:spLocks noGrp="1" noRot="1" noChangeAspect="1"/>
-          </p:cNvSpPr>
-          <p:nvPr>
-            <p:ph type="sldImg"/>
-          </p:nvPr>
-        </p:nvSpPr>
-        <p:spPr/>
-      </p:sp>
-      <p:sp>
-        <p:nvSpPr>
-          <p:cNvPr id="3" name="Заметки 2"/>
-          <p:cNvSpPr>
-            <a:spLocks noGrp="1"/>
-          </p:cNvSpPr>
-          <p:nvPr>
-            <p:ph type="body" idx="1"/>
-          </p:nvPr>
-        </p:nvSpPr>
-        <p:spPr/>
-        <p:txBody>
-          <a:bodyPr/>
-          <a:lstStyle/>
-          <a:p>
-            <a:endParaRPr lang="ru-RU"/>
-          </a:p>
-        </p:txBody>
-      </p:sp>
-      <p:sp>
-        <p:nvSpPr>
-          <p:cNvPr id="4" name="Номер слайда 3"/>
-          <p:cNvSpPr>
-            <a:spLocks noGrp="1"/>
-          </p:cNvSpPr>
-          <p:nvPr>
-            <p:ph type="sldNum" sz="quarter" idx="10"/>
-          </p:nvPr>
-        </p:nvSpPr>
-        <p:spPr/>
-        <p:txBody>
-          <a:bodyPr/>
-          <a:lstStyle/>
-          <a:p>
-            <a:fld id="{443EE4E5-9BF0-4983-AFC7-E79A270596CF}" type="slidenum">
-              <a:rPr lang="ru-RU" smtClean="0"/>
-              <a:pPr/>
-              <a:t>11</a:t>
-            </a:fld>
-            <a:endParaRPr lang="ru-RU"/>
-          </a:p>
-        </p:txBody>
-      </p:sp>
-    </p:spTree>
-    <p:extLst>
-      <p:ext uri="{BB962C8B-B14F-4D97-AF65-F5344CB8AC3E}">
-        <p14:creationId xmlns:p14="http://schemas.microsoft.com/office/powerpoint/2010/main" val="2047394705"/>
+        <p14:creationId xmlns:p14="http://schemas.microsoft.com/office/powerpoint/2010/main" val="1692495864"/>
       </p:ext>
     </p:extLst>
   </p:cSld>
@@ -965,7 +878,7 @@
     </p:spTree>
     <p:extLst>
       <p:ext uri="{BB962C8B-B14F-4D97-AF65-F5344CB8AC3E}">
-        <p14:creationId xmlns:p14="http://schemas.microsoft.com/office/powerpoint/2010/main" val="1692495864"/>
+        <p14:creationId xmlns:p14="http://schemas.microsoft.com/office/powerpoint/2010/main" val="2600559360"/>
       </p:ext>
     </p:extLst>
   </p:cSld>
@@ -1050,7 +963,7 @@
     </p:spTree>
     <p:extLst>
       <p:ext uri="{BB962C8B-B14F-4D97-AF65-F5344CB8AC3E}">
-        <p14:creationId xmlns:p14="http://schemas.microsoft.com/office/powerpoint/2010/main" val="2600559360"/>
+        <p14:creationId xmlns:p14="http://schemas.microsoft.com/office/powerpoint/2010/main" val="19796453"/>
       </p:ext>
     </p:extLst>
   </p:cSld>
@@ -1135,7 +1048,7 @@
     </p:spTree>
     <p:extLst>
       <p:ext uri="{BB962C8B-B14F-4D97-AF65-F5344CB8AC3E}">
-        <p14:creationId xmlns:p14="http://schemas.microsoft.com/office/powerpoint/2010/main" val="19796453"/>
+        <p14:creationId xmlns:p14="http://schemas.microsoft.com/office/powerpoint/2010/main" val="3705005268"/>
       </p:ext>
     </p:extLst>
   </p:cSld>
@@ -1220,7 +1133,7 @@
     </p:spTree>
     <p:extLst>
       <p:ext uri="{BB962C8B-B14F-4D97-AF65-F5344CB8AC3E}">
-        <p14:creationId xmlns:p14="http://schemas.microsoft.com/office/powerpoint/2010/main" val="3705005268"/>
+        <p14:creationId xmlns:p14="http://schemas.microsoft.com/office/powerpoint/2010/main" val="3046534083"/>
       </p:ext>
     </p:extLst>
   </p:cSld>
@@ -1305,7 +1218,7 @@
     </p:spTree>
     <p:extLst>
       <p:ext uri="{BB962C8B-B14F-4D97-AF65-F5344CB8AC3E}">
-        <p14:creationId xmlns:p14="http://schemas.microsoft.com/office/powerpoint/2010/main" val="3046534083"/>
+        <p14:creationId xmlns:p14="http://schemas.microsoft.com/office/powerpoint/2010/main" val="192212326"/>
       </p:ext>
     </p:extLst>
   </p:cSld>
@@ -1390,7 +1303,7 @@
     </p:spTree>
     <p:extLst>
       <p:ext uri="{BB962C8B-B14F-4D97-AF65-F5344CB8AC3E}">
-        <p14:creationId xmlns:p14="http://schemas.microsoft.com/office/powerpoint/2010/main" val="192212326"/>
+        <p14:creationId xmlns:p14="http://schemas.microsoft.com/office/powerpoint/2010/main" val="1084832632"/>
       </p:ext>
     </p:extLst>
   </p:cSld>
@@ -1475,7 +1388,7 @@
     </p:spTree>
     <p:extLst>
       <p:ext uri="{BB962C8B-B14F-4D97-AF65-F5344CB8AC3E}">
-        <p14:creationId xmlns:p14="http://schemas.microsoft.com/office/powerpoint/2010/main" val="1084832632"/>
+        <p14:creationId xmlns:p14="http://schemas.microsoft.com/office/powerpoint/2010/main" val="2166832398"/>
       </p:ext>
     </p:extLst>
   </p:cSld>
@@ -1560,7 +1473,7 @@
     </p:spTree>
     <p:extLst>
       <p:ext uri="{BB962C8B-B14F-4D97-AF65-F5344CB8AC3E}">
-        <p14:creationId xmlns:p14="http://schemas.microsoft.com/office/powerpoint/2010/main" val="2166832398"/>
+        <p14:creationId xmlns:p14="http://schemas.microsoft.com/office/powerpoint/2010/main" val="2047394705"/>
       </p:ext>
     </p:extLst>
   </p:cSld>
@@ -1710,7 +1623,7 @@
             <a:fld id="{9A3A4A20-C7E8-4691-B2DC-C781A16228C9}" type="datetime1">
               <a:rPr lang="en-US" smtClean="0"/>
               <a:pPr/>
-              <a:t>5/15/2024</a:t>
+              <a:t>6/10/2024</a:t>
             </a:fld>
             <a:endParaRPr lang="en-US"/>
           </a:p>
@@ -2348,7 +2261,7 @@
             <a:fld id="{103EB5D8-1A47-4EB3-B197-F99FD01F3AF6}" type="datetime1">
               <a:rPr lang="en-US" smtClean="0"/>
               <a:pPr/>
-              <a:t>5/15/2024</a:t>
+              <a:t>6/10/2024</a:t>
             </a:fld>
             <a:endParaRPr lang="en-US"/>
           </a:p>
@@ -2565,7 +2478,7 @@
             <a:fld id="{87B3BD81-A805-497E-A274-026DC6853B97}" type="datetime1">
               <a:rPr lang="en-US" smtClean="0"/>
               <a:pPr/>
-              <a:t>5/15/2024</a:t>
+              <a:t>6/10/2024</a:t>
             </a:fld>
             <a:endParaRPr lang="en-US"/>
           </a:p>
@@ -2716,7 +2629,7 @@
             <a:fld id="{EE8E72BB-89E5-43DB-9880-A58B5352575F}" type="datetime1">
               <a:rPr lang="en-US" smtClean="0"/>
               <a:pPr/>
-              <a:t>5/15/2024</a:t>
+              <a:t>6/10/2024</a:t>
             </a:fld>
             <a:endParaRPr lang="en-US"/>
           </a:p>
@@ -3176,7 +3089,7 @@
             <a:fld id="{CFFE8189-C7F9-499F-8841-68B1D7C907EA}" type="datetime1">
               <a:rPr lang="en-US" smtClean="0"/>
               <a:pPr/>
-              <a:t>5/15/2024</a:t>
+              <a:t>6/10/2024</a:t>
             </a:fld>
             <a:endParaRPr lang="en-US"/>
           </a:p>
@@ -3398,7 +3311,7 @@
             <a:fld id="{74AD195F-F8D9-4119-A6F5-03FD95BC2DDC}" type="datetime1">
               <a:rPr lang="en-US" smtClean="0"/>
               <a:pPr/>
-              <a:t>5/15/2024</a:t>
+              <a:t>6/10/2024</a:t>
             </a:fld>
             <a:endParaRPr lang="en-US"/>
           </a:p>
@@ -4006,7 +3919,38 @@
                 <a:latin typeface="Times New Roman" panose="02020603050405020304" pitchFamily="18" charset="0"/>
                 <a:ea typeface="Calibri" panose="020F0502020204030204" pitchFamily="34" charset="0"/>
               </a:rPr>
-              <a:t>-приложения для общения и знакомств между посетителями заведения с гарантией приватности</a:t>
+              <a:t>-приложения для общения и знакомств между </a:t>
+            </a:r>
+            <a:r>
+              <a:rPr lang="ru-RU" sz="3200" b="1" dirty="0" err="1">
+                <a:solidFill>
+                  <a:schemeClr val="bg1"/>
+                </a:solidFill>
+                <a:latin typeface="Times New Roman" panose="02020603050405020304" pitchFamily="18" charset="0"/>
+                <a:ea typeface="Calibri" panose="020F0502020204030204" pitchFamily="34" charset="0"/>
+              </a:rPr>
+              <a:t>пользовьтаелями</a:t>
+            </a:r>
+            <a:r>
+              <a:rPr lang="ru-RU" sz="3200" b="1" dirty="0">
+                <a:solidFill>
+                  <a:schemeClr val="bg1"/>
+                </a:solidFill>
+                <a:latin typeface="Times New Roman" panose="02020603050405020304" pitchFamily="18" charset="0"/>
+                <a:ea typeface="Calibri" panose="020F0502020204030204" pitchFamily="34" charset="0"/>
+              </a:rPr>
+              <a:t> </a:t>
+            </a:r>
+            <a:r>
+              <a:rPr lang="ru-RU" sz="3200" b="1" dirty="0">
+                <a:solidFill>
+                  <a:schemeClr val="bg1"/>
+                </a:solidFill>
+                <a:effectLst/>
+                <a:latin typeface="Times New Roman" panose="02020603050405020304" pitchFamily="18" charset="0"/>
+                <a:ea typeface="Calibri" panose="020F0502020204030204" pitchFamily="34" charset="0"/>
+              </a:rPr>
+              <a:t>с гарантией приватности</a:t>
             </a:r>
             <a:r>
               <a:rPr lang="ru-RU" sz="3600" b="1" spc="-1" dirty="0">
@@ -5335,334 +5279,6 @@
       </p:sp>
       <p:sp>
         <p:nvSpPr>
-          <p:cNvPr id="12" name="Прямоугольник 11">
-            <a:extLst>
-              <a:ext uri="{FF2B5EF4-FFF2-40B4-BE49-F238E27FC236}">
-                <a16:creationId xmlns:a16="http://schemas.microsoft.com/office/drawing/2014/main" id="{62ED674E-1D8B-4440-BAC6-507A2557A6CE}"/>
-              </a:ext>
-            </a:extLst>
-          </p:cNvPr>
-          <p:cNvSpPr/>
-          <p:nvPr/>
-        </p:nvSpPr>
-        <p:spPr>
-          <a:xfrm>
-            <a:off x="1960830" y="709629"/>
-            <a:ext cx="6149440" cy="923330"/>
-          </a:xfrm>
-          <a:prstGeom prst="rect">
-            <a:avLst/>
-          </a:prstGeom>
-          <a:noFill/>
-        </p:spPr>
-        <p:txBody>
-          <a:bodyPr wrap="none" lIns="91440" tIns="45720" rIns="91440" bIns="45720">
-            <a:spAutoFit/>
-          </a:bodyPr>
-          <a:lstStyle/>
-          <a:p>
-            <a:pPr algn="ctr"/>
-            <a:r>
-              <a:rPr lang="ru-RU" sz="5400" dirty="0">
-                <a:ln w="0"/>
-                <a:solidFill>
-                  <a:schemeClr val="accent1"/>
-                </a:solidFill>
-                <a:effectLst>
-                  <a:outerShdw blurRad="38100" dist="25400" dir="5400000" algn="ctr" rotWithShape="0">
-                    <a:srgbClr val="6E747A">
-                      <a:alpha val="43000"/>
-                    </a:srgbClr>
-                  </a:outerShdw>
-                </a:effectLst>
-              </a:rPr>
-              <a:t>История разработки</a:t>
-            </a:r>
-          </a:p>
-        </p:txBody>
-      </p:sp>
-      <p:pic>
-        <p:nvPicPr>
-          <p:cNvPr id="9" name="Рисунок 8">
-            <a:extLst>
-              <a:ext uri="{FF2B5EF4-FFF2-40B4-BE49-F238E27FC236}">
-                <a16:creationId xmlns:a16="http://schemas.microsoft.com/office/drawing/2014/main" id="{ED344CE8-0BF2-4893-A7A2-969EA07CFA91}"/>
-              </a:ext>
-            </a:extLst>
-          </p:cNvPr>
-          <p:cNvPicPr/>
-          <p:nvPr/>
-        </p:nvPicPr>
-        <p:blipFill>
-          <a:blip r:embed="rId3"/>
-          <a:stretch>
-            <a:fillRect/>
-          </a:stretch>
-        </p:blipFill>
-        <p:spPr>
-          <a:xfrm>
-            <a:off x="408020" y="1884269"/>
-            <a:ext cx="9206092" cy="3599518"/>
-          </a:xfrm>
-          <a:prstGeom prst="rect">
-            <a:avLst/>
-          </a:prstGeom>
-        </p:spPr>
-      </p:pic>
-    </p:spTree>
-    <p:extLst>
-      <p:ext uri="{BB962C8B-B14F-4D97-AF65-F5344CB8AC3E}">
-        <p14:creationId xmlns:p14="http://schemas.microsoft.com/office/powerpoint/2010/main" val="994423139"/>
-      </p:ext>
-    </p:extLst>
-  </p:cSld>
-  <p:clrMapOvr>
-    <a:masterClrMapping/>
-  </p:clrMapOvr>
-</p:sld>
-</file>
-
-<file path=ppt/slides/slide11.xml><?xml version="1.0" encoding="utf-8"?>
-<p:sld xmlns:a="http://schemas.openxmlformats.org/drawingml/2006/main" xmlns:r="http://schemas.openxmlformats.org/officeDocument/2006/relationships" xmlns:p="http://schemas.openxmlformats.org/presentationml/2006/main">
-  <p:cSld>
-    <p:spTree>
-      <p:nvGrpSpPr>
-        <p:cNvPr id="1" name=""/>
-        <p:cNvGrpSpPr/>
-        <p:nvPr/>
-      </p:nvGrpSpPr>
-      <p:grpSpPr>
-        <a:xfrm>
-          <a:off x="0" y="0"/>
-          <a:ext cx="0" cy="0"/>
-          <a:chOff x="0" y="0"/>
-          <a:chExt cx="0" cy="0"/>
-        </a:xfrm>
-      </p:grpSpPr>
-      <p:sp>
-        <p:nvSpPr>
-          <p:cNvPr id="5122" name="object 3">
-            <a:extLst>
-              <a:ext uri="{FF2B5EF4-FFF2-40B4-BE49-F238E27FC236}">
-                <a16:creationId xmlns:a16="http://schemas.microsoft.com/office/drawing/2014/main" id="{1552E794-B5F1-403D-A024-AFA4ECA82802}"/>
-              </a:ext>
-            </a:extLst>
-          </p:cNvPr>
-          <p:cNvSpPr>
-            <a:spLocks/>
-          </p:cNvSpPr>
-          <p:nvPr/>
-        </p:nvSpPr>
-        <p:spPr bwMode="auto">
-          <a:xfrm flipV="1">
-            <a:off x="375360" y="6345833"/>
-            <a:ext cx="4767262" cy="117475"/>
-          </a:xfrm>
-          <a:custGeom>
-            <a:avLst/>
-            <a:gdLst>
-              <a:gd name="T0" fmla="*/ 0 w 9148445"/>
-              <a:gd name="T1" fmla="*/ 0 h 117475"/>
-              <a:gd name="T2" fmla="*/ 25915 w 9148445"/>
-              <a:gd name="T3" fmla="*/ 0 h 117475"/>
-              <a:gd name="T4" fmla="*/ 0 60000 65536"/>
-              <a:gd name="T5" fmla="*/ 0 60000 65536"/>
-            </a:gdLst>
-            <a:ahLst/>
-            <a:cxnLst>
-              <a:cxn ang="T4">
-                <a:pos x="T0" y="T1"/>
-              </a:cxn>
-              <a:cxn ang="T5">
-                <a:pos x="T2" y="T3"/>
-              </a:cxn>
-            </a:cxnLst>
-            <a:rect l="0" t="0" r="r" b="b"/>
-            <a:pathLst>
-              <a:path w="9148445" h="117475">
-                <a:moveTo>
-                  <a:pt x="0" y="0"/>
-                </a:moveTo>
-                <a:lnTo>
-                  <a:pt x="9147812" y="0"/>
-                </a:lnTo>
-              </a:path>
-            </a:pathLst>
-          </a:custGeom>
-          <a:noFill/>
-          <a:ln w="7199">
-            <a:solidFill>
-              <a:srgbClr val="808080"/>
-            </a:solidFill>
-            <a:round/>
-            <a:headEnd/>
-            <a:tailEnd/>
-          </a:ln>
-          <a:extLst>
-            <a:ext uri="{909E8E84-426E-40DD-AFC4-6F175D3DCCD1}">
-              <a14:hiddenFill xmlns:a14="http://schemas.microsoft.com/office/drawing/2010/main">
-                <a:solidFill>
-                  <a:srgbClr val="FFFFFF"/>
-                </a:solidFill>
-              </a14:hiddenFill>
-            </a:ext>
-          </a:extLst>
-        </p:spPr>
-        <p:txBody>
-          <a:bodyPr lIns="0" tIns="0" rIns="0" bIns="0"/>
-          <a:lstStyle/>
-          <a:p>
-            <a:endParaRPr lang="ru-RU"/>
-          </a:p>
-        </p:txBody>
-      </p:sp>
-      <p:sp>
-        <p:nvSpPr>
-          <p:cNvPr id="3" name="Google Shape;226;p3"/>
-          <p:cNvSpPr/>
-          <p:nvPr/>
-        </p:nvSpPr>
-        <p:spPr>
-          <a:xfrm>
-            <a:off x="410285" y="504825"/>
-            <a:ext cx="9070920" cy="798120"/>
-          </a:xfrm>
-          <a:prstGeom prst="rect">
-            <a:avLst/>
-          </a:prstGeom>
-          <a:noFill/>
-          <a:ln w="0">
-            <a:noFill/>
-          </a:ln>
-        </p:spPr>
-        <p:style>
-          <a:lnRef idx="0">
-            <a:scrgbClr r="0" g="0" b="0"/>
-          </a:lnRef>
-          <a:fillRef idx="0">
-            <a:scrgbClr r="0" g="0" b="0"/>
-          </a:fillRef>
-          <a:effectRef idx="0">
-            <a:scrgbClr r="0" g="0" b="0"/>
-          </a:effectRef>
-          <a:fontRef idx="minor"/>
-        </p:style>
-        <p:txBody>
-          <a:bodyPr lIns="0" tIns="0" rIns="0" bIns="0" anchor="ctr">
-            <a:noAutofit/>
-          </a:bodyPr>
-          <a:lstStyle/>
-          <a:p>
-            <a:pPr algn="ctr">
-              <a:lnSpc>
-                <a:spcPct val="100000"/>
-              </a:lnSpc>
-              <a:tabLst>
-                <a:tab pos="0" algn="l"/>
-              </a:tabLst>
-            </a:pPr>
-            <a:endParaRPr lang="ru-RU" sz="3600" b="1" strike="noStrike" spc="-1" dirty="0">
-              <a:latin typeface="Arial"/>
-            </a:endParaRPr>
-          </a:p>
-        </p:txBody>
-      </p:sp>
-      <p:sp>
-        <p:nvSpPr>
-          <p:cNvPr id="4" name="Google Shape;227;p3"/>
-          <p:cNvSpPr/>
-          <p:nvPr/>
-        </p:nvSpPr>
-        <p:spPr>
-          <a:xfrm>
-            <a:off x="539640" y="1571625"/>
-            <a:ext cx="8962200" cy="4018455"/>
-          </a:xfrm>
-          <a:prstGeom prst="rect">
-            <a:avLst/>
-          </a:prstGeom>
-          <a:noFill/>
-          <a:ln w="0">
-            <a:noFill/>
-          </a:ln>
-        </p:spPr>
-        <p:style>
-          <a:lnRef idx="0">
-            <a:scrgbClr r="0" g="0" b="0"/>
-          </a:lnRef>
-          <a:fillRef idx="0">
-            <a:scrgbClr r="0" g="0" b="0"/>
-          </a:fillRef>
-          <a:effectRef idx="0">
-            <a:scrgbClr r="0" g="0" b="0"/>
-          </a:effectRef>
-          <a:fontRef idx="minor"/>
-        </p:style>
-        <p:txBody>
-          <a:bodyPr lIns="0" tIns="0" rIns="0" bIns="0">
-            <a:normAutofit/>
-          </a:bodyPr>
-          <a:lstStyle/>
-          <a:p>
-            <a:pPr marL="457200">
-              <a:lnSpc>
-                <a:spcPct val="100000"/>
-              </a:lnSpc>
-              <a:tabLst>
-                <a:tab pos="0" algn="l"/>
-              </a:tabLst>
-            </a:pPr>
-            <a:endParaRPr lang="ru-RU" sz="2800" b="0" strike="noStrike" spc="-1" dirty="0">
-              <a:latin typeface="Arial"/>
-            </a:endParaRPr>
-          </a:p>
-        </p:txBody>
-      </p:sp>
-      <p:sp>
-        <p:nvSpPr>
-          <p:cNvPr id="5" name="Нижний колонтитул 4"/>
-          <p:cNvSpPr>
-            <a:spLocks noGrp="1"/>
-          </p:cNvSpPr>
-          <p:nvPr>
-            <p:ph type="ftr" sz="quarter" idx="5"/>
-          </p:nvPr>
-        </p:nvSpPr>
-        <p:spPr/>
-        <p:txBody>
-          <a:bodyPr/>
-          <a:lstStyle/>
-          <a:p>
-            <a:endParaRPr lang="ru-RU" dirty="0"/>
-          </a:p>
-        </p:txBody>
-      </p:sp>
-      <p:sp>
-        <p:nvSpPr>
-          <p:cNvPr id="6" name="Номер слайда 5"/>
-          <p:cNvSpPr>
-            <a:spLocks noGrp="1"/>
-          </p:cNvSpPr>
-          <p:nvPr>
-            <p:ph type="sldNum" sz="quarter" idx="7"/>
-          </p:nvPr>
-        </p:nvSpPr>
-        <p:spPr/>
-        <p:txBody>
-          <a:bodyPr/>
-          <a:lstStyle/>
-          <a:p>
-            <a:fld id="{B6F15528-21DE-4FAA-801E-634DDDAF4B2B}" type="slidenum">
-              <a:rPr lang="ru-RU" sz="2400" smtClean="0"/>
-              <a:pPr/>
-              <a:t>11</a:t>
-            </a:fld>
-            <a:endParaRPr lang="ru-RU" sz="2400" dirty="0"/>
-          </a:p>
-        </p:txBody>
-      </p:sp>
-      <p:sp>
-        <p:nvSpPr>
           <p:cNvPr id="2" name="Прямоугольник 1">
             <a:extLst>
               <a:ext uri="{FF2B5EF4-FFF2-40B4-BE49-F238E27FC236}">
@@ -5845,284 +5461,6 @@
 </p:sld>
 </file>
 
-<file path=ppt/slides/slide12.xml><?xml version="1.0" encoding="utf-8"?>
-<p:sld xmlns:a="http://schemas.openxmlformats.org/drawingml/2006/main" xmlns:r="http://schemas.openxmlformats.org/officeDocument/2006/relationships" xmlns:p="http://schemas.openxmlformats.org/presentationml/2006/main">
-  <p:cSld>
-    <p:spTree>
-      <p:nvGrpSpPr>
-        <p:cNvPr id="1" name=""/>
-        <p:cNvGrpSpPr/>
-        <p:nvPr/>
-      </p:nvGrpSpPr>
-      <p:grpSpPr>
-        <a:xfrm>
-          <a:off x="0" y="0"/>
-          <a:ext cx="0" cy="0"/>
-          <a:chOff x="0" y="0"/>
-          <a:chExt cx="0" cy="0"/>
-        </a:xfrm>
-      </p:grpSpPr>
-      <p:sp>
-        <p:nvSpPr>
-          <p:cNvPr id="5122" name="object 2">
-            <a:extLst>
-              <a:ext uri="{FF2B5EF4-FFF2-40B4-BE49-F238E27FC236}">
-                <a16:creationId xmlns:a16="http://schemas.microsoft.com/office/drawing/2014/main" id="{D695E37D-3D30-4A90-9954-E06B9D3B11CF}"/>
-              </a:ext>
-            </a:extLst>
-          </p:cNvPr>
-          <p:cNvSpPr>
-            <a:spLocks noChangeArrowheads="1"/>
-          </p:cNvSpPr>
-          <p:nvPr/>
-        </p:nvSpPr>
-        <p:spPr bwMode="auto">
-          <a:xfrm>
-            <a:off x="-22760" y="0"/>
-            <a:ext cx="10077450" cy="7559675"/>
-          </a:xfrm>
-          <a:prstGeom prst="rect">
-            <a:avLst/>
-          </a:prstGeom>
-          <a:blipFill dpi="0" rotWithShape="1">
-            <a:blip r:embed="rId2" cstate="print"/>
-            <a:srcRect/>
-            <a:stretch>
-              <a:fillRect/>
-            </a:stretch>
-          </a:blipFill>
-          <a:ln>
-            <a:noFill/>
-          </a:ln>
-          <a:extLst>
-            <a:ext uri="{91240B29-F687-4F45-9708-019B960494DF}">
-              <a14:hiddenLine xmlns:a14="http://schemas.microsoft.com/office/drawing/2010/main" w="9525">
-                <a:solidFill>
-                  <a:srgbClr val="000000"/>
-                </a:solidFill>
-                <a:miter lim="800000"/>
-                <a:headEnd/>
-                <a:tailEnd/>
-              </a14:hiddenLine>
-            </a:ext>
-          </a:extLst>
-        </p:spPr>
-        <p:txBody>
-          <a:bodyPr lIns="0" tIns="0" rIns="0" bIns="0"/>
-          <a:lstStyle>
-            <a:lvl1pPr>
-              <a:defRPr>
-                <a:solidFill>
-                  <a:schemeClr val="tx1"/>
-                </a:solidFill>
-                <a:latin typeface="Calibri" panose="020F0502020204030204" pitchFamily="34" charset="0"/>
-              </a:defRPr>
-            </a:lvl1pPr>
-            <a:lvl2pPr marL="742950" indent="-285750">
-              <a:defRPr>
-                <a:solidFill>
-                  <a:schemeClr val="tx1"/>
-                </a:solidFill>
-                <a:latin typeface="Calibri" panose="020F0502020204030204" pitchFamily="34" charset="0"/>
-              </a:defRPr>
-            </a:lvl2pPr>
-            <a:lvl3pPr marL="1143000" indent="-228600">
-              <a:defRPr>
-                <a:solidFill>
-                  <a:schemeClr val="tx1"/>
-                </a:solidFill>
-                <a:latin typeface="Calibri" panose="020F0502020204030204" pitchFamily="34" charset="0"/>
-              </a:defRPr>
-            </a:lvl3pPr>
-            <a:lvl4pPr marL="1600200" indent="-228600">
-              <a:defRPr>
-                <a:solidFill>
-                  <a:schemeClr val="tx1"/>
-                </a:solidFill>
-                <a:latin typeface="Calibri" panose="020F0502020204030204" pitchFamily="34" charset="0"/>
-              </a:defRPr>
-            </a:lvl4pPr>
-            <a:lvl5pPr marL="2057400" indent="-228600">
-              <a:defRPr>
-                <a:solidFill>
-                  <a:schemeClr val="tx1"/>
-                </a:solidFill>
-                <a:latin typeface="Calibri" panose="020F0502020204030204" pitchFamily="34" charset="0"/>
-              </a:defRPr>
-            </a:lvl5pPr>
-            <a:lvl6pPr marL="2514600" indent="-228600" eaLnBrk="0" fontAlgn="base" hangingPunct="0">
-              <a:spcBef>
-                <a:spcPct val="0"/>
-              </a:spcBef>
-              <a:spcAft>
-                <a:spcPct val="0"/>
-              </a:spcAft>
-              <a:defRPr>
-                <a:solidFill>
-                  <a:schemeClr val="tx1"/>
-                </a:solidFill>
-                <a:latin typeface="Calibri" panose="020F0502020204030204" pitchFamily="34" charset="0"/>
-              </a:defRPr>
-            </a:lvl6pPr>
-            <a:lvl7pPr marL="2971800" indent="-228600" eaLnBrk="0" fontAlgn="base" hangingPunct="0">
-              <a:spcBef>
-                <a:spcPct val="0"/>
-              </a:spcBef>
-              <a:spcAft>
-                <a:spcPct val="0"/>
-              </a:spcAft>
-              <a:defRPr>
-                <a:solidFill>
-                  <a:schemeClr val="tx1"/>
-                </a:solidFill>
-                <a:latin typeface="Calibri" panose="020F0502020204030204" pitchFamily="34" charset="0"/>
-              </a:defRPr>
-            </a:lvl7pPr>
-            <a:lvl8pPr marL="3429000" indent="-228600" eaLnBrk="0" fontAlgn="base" hangingPunct="0">
-              <a:spcBef>
-                <a:spcPct val="0"/>
-              </a:spcBef>
-              <a:spcAft>
-                <a:spcPct val="0"/>
-              </a:spcAft>
-              <a:defRPr>
-                <a:solidFill>
-                  <a:schemeClr val="tx1"/>
-                </a:solidFill>
-                <a:latin typeface="Calibri" panose="020F0502020204030204" pitchFamily="34" charset="0"/>
-              </a:defRPr>
-            </a:lvl8pPr>
-            <a:lvl9pPr marL="3886200" indent="-228600" eaLnBrk="0" fontAlgn="base" hangingPunct="0">
-              <a:spcBef>
-                <a:spcPct val="0"/>
-              </a:spcBef>
-              <a:spcAft>
-                <a:spcPct val="0"/>
-              </a:spcAft>
-              <a:defRPr>
-                <a:solidFill>
-                  <a:schemeClr val="tx1"/>
-                </a:solidFill>
-                <a:latin typeface="Calibri" panose="020F0502020204030204" pitchFamily="34" charset="0"/>
-              </a:defRPr>
-            </a:lvl9pPr>
-          </a:lstStyle>
-          <a:p>
-            <a:pPr eaLnBrk="1" hangingPunct="1"/>
-            <a:endParaRPr lang="ru-RU" altLang="ru-RU"/>
-          </a:p>
-        </p:txBody>
-      </p:sp>
-      <p:sp>
-        <p:nvSpPr>
-          <p:cNvPr id="4" name="Нижний колонтитул 3"/>
-          <p:cNvSpPr>
-            <a:spLocks noGrp="1"/>
-          </p:cNvSpPr>
-          <p:nvPr>
-            <p:ph type="ftr" sz="quarter" idx="5"/>
-          </p:nvPr>
-        </p:nvSpPr>
-        <p:spPr/>
-        <p:txBody>
-          <a:bodyPr/>
-          <a:lstStyle/>
-          <a:p>
-            <a:endParaRPr lang="ru-RU" dirty="0"/>
-          </a:p>
-        </p:txBody>
-      </p:sp>
-      <p:sp>
-        <p:nvSpPr>
-          <p:cNvPr id="5" name="Номер слайда 4"/>
-          <p:cNvSpPr>
-            <a:spLocks noGrp="1"/>
-          </p:cNvSpPr>
-          <p:nvPr>
-            <p:ph type="sldNum" sz="quarter" idx="7"/>
-          </p:nvPr>
-        </p:nvSpPr>
-        <p:spPr/>
-        <p:txBody>
-          <a:bodyPr/>
-          <a:lstStyle/>
-          <a:p>
-            <a:fld id="{B6F15528-21DE-4FAA-801E-634DDDAF4B2B}" type="slidenum">
-              <a:rPr lang="ru-RU" sz="2400" smtClean="0"/>
-              <a:pPr/>
-              <a:t>12</a:t>
-            </a:fld>
-            <a:endParaRPr lang="ru-RU" sz="2400" dirty="0"/>
-          </a:p>
-        </p:txBody>
-      </p:sp>
-      <p:sp>
-        <p:nvSpPr>
-          <p:cNvPr id="14" name="Google Shape;227;p3"/>
-          <p:cNvSpPr/>
-          <p:nvPr/>
-        </p:nvSpPr>
-        <p:spPr>
-          <a:xfrm>
-            <a:off x="536575" y="1770609"/>
-            <a:ext cx="8962200" cy="4018455"/>
-          </a:xfrm>
-          <a:prstGeom prst="rect">
-            <a:avLst/>
-          </a:prstGeom>
-          <a:noFill/>
-          <a:ln w="0">
-            <a:noFill/>
-          </a:ln>
-        </p:spPr>
-        <p:style>
-          <a:lnRef idx="0">
-            <a:scrgbClr r="0" g="0" b="0"/>
-          </a:lnRef>
-          <a:fillRef idx="0">
-            <a:scrgbClr r="0" g="0" b="0"/>
-          </a:fillRef>
-          <a:effectRef idx="0">
-            <a:scrgbClr r="0" g="0" b="0"/>
-          </a:effectRef>
-          <a:fontRef idx="minor"/>
-        </p:style>
-        <p:txBody>
-          <a:bodyPr lIns="0" tIns="0" rIns="0" bIns="0">
-            <a:normAutofit/>
-          </a:bodyPr>
-          <a:lstStyle/>
-          <a:p>
-            <a:pPr marL="457200">
-              <a:lnSpc>
-                <a:spcPct val="100000"/>
-              </a:lnSpc>
-              <a:tabLst>
-                <a:tab pos="0" algn="l"/>
-              </a:tabLst>
-            </a:pPr>
-            <a:endParaRPr lang="ru-RU" sz="2800" b="0" strike="noStrike" spc="-1" dirty="0">
-              <a:solidFill>
-                <a:schemeClr val="bg1"/>
-              </a:solidFill>
-              <a:latin typeface="Arial"/>
-            </a:endParaRPr>
-          </a:p>
-        </p:txBody>
-      </p:sp>
-    </p:spTree>
-    <p:extLst>
-      <p:ext uri="{BB962C8B-B14F-4D97-AF65-F5344CB8AC3E}">
-        <p14:creationId xmlns:p14="http://schemas.microsoft.com/office/powerpoint/2010/main" val="866027163"/>
-      </p:ext>
-    </p:extLst>
-  </p:cSld>
-  <p:clrMapOvr>
-    <a:masterClrMapping/>
-  </p:clrMapOvr>
-</p:sld>
-</file>
-
 <file path=ppt/slides/slide2.xml><?xml version="1.0" encoding="utf-8"?>
 <p:sld xmlns:a="http://schemas.openxmlformats.org/drawingml/2006/main" xmlns:r="http://schemas.openxmlformats.org/officeDocument/2006/relationships" xmlns:p="http://schemas.openxmlformats.org/presentationml/2006/main">
   <p:cSld>
@@ -6357,434 +5695,6 @@
               <a:rPr lang="ru-RU" sz="2400" smtClean="0"/>
               <a:pPr/>
               <a:t>2</a:t>
-            </a:fld>
-            <a:endParaRPr lang="ru-RU" sz="2400" dirty="0"/>
-          </a:p>
-        </p:txBody>
-      </p:sp>
-      <p:sp>
-        <p:nvSpPr>
-          <p:cNvPr id="2" name="Прямоугольник 1">
-            <a:extLst>
-              <a:ext uri="{FF2B5EF4-FFF2-40B4-BE49-F238E27FC236}">
-                <a16:creationId xmlns:a16="http://schemas.microsoft.com/office/drawing/2014/main" id="{FEDA2366-0A27-4DE8-840C-8CC9B345E75C}"/>
-              </a:ext>
-            </a:extLst>
-          </p:cNvPr>
-          <p:cNvSpPr/>
-          <p:nvPr/>
-        </p:nvSpPr>
-        <p:spPr>
-          <a:xfrm>
-            <a:off x="2788532" y="669416"/>
-            <a:ext cx="4246676" cy="923330"/>
-          </a:xfrm>
-          <a:prstGeom prst="rect">
-            <a:avLst/>
-          </a:prstGeom>
-          <a:noFill/>
-        </p:spPr>
-        <p:txBody>
-          <a:bodyPr wrap="none" lIns="91440" tIns="45720" rIns="91440" bIns="45720">
-            <a:spAutoFit/>
-          </a:bodyPr>
-          <a:lstStyle/>
-          <a:p>
-            <a:pPr algn="ctr"/>
-            <a:r>
-              <a:rPr lang="ru-RU" sz="5400" dirty="0">
-                <a:ln w="0"/>
-                <a:solidFill>
-                  <a:schemeClr val="accent1"/>
-                </a:solidFill>
-                <a:effectLst>
-                  <a:outerShdw blurRad="38100" dist="25400" dir="5400000" algn="ctr" rotWithShape="0">
-                    <a:srgbClr val="6E747A">
-                      <a:alpha val="43000"/>
-                    </a:srgbClr>
-                  </a:outerShdw>
-                </a:effectLst>
-              </a:rPr>
-              <a:t>Актуальность</a:t>
-            </a:r>
-          </a:p>
-        </p:txBody>
-      </p:sp>
-      <p:sp>
-        <p:nvSpPr>
-          <p:cNvPr id="7" name="Прямоугольник 6">
-            <a:extLst>
-              <a:ext uri="{FF2B5EF4-FFF2-40B4-BE49-F238E27FC236}">
-                <a16:creationId xmlns:a16="http://schemas.microsoft.com/office/drawing/2014/main" id="{4BF3FF7F-F503-4233-8772-21F7A800A1F9}"/>
-              </a:ext>
-            </a:extLst>
-          </p:cNvPr>
-          <p:cNvSpPr/>
-          <p:nvPr/>
-        </p:nvSpPr>
-        <p:spPr>
-          <a:xfrm>
-            <a:off x="554204" y="1873087"/>
-            <a:ext cx="9516896" cy="1938992"/>
-          </a:xfrm>
-          <a:prstGeom prst="rect">
-            <a:avLst/>
-          </a:prstGeom>
-          <a:noFill/>
-        </p:spPr>
-        <p:txBody>
-          <a:bodyPr wrap="square" lIns="91440" tIns="45720" rIns="91440" bIns="45720">
-            <a:spAutoFit/>
-          </a:bodyPr>
-          <a:lstStyle/>
-          <a:p>
-            <a:pPr marL="457200" indent="-457200">
-              <a:buFontTx/>
-              <a:buAutoNum type="arabicParenR"/>
-            </a:pPr>
-            <a:r>
-              <a:rPr lang="ru-RU" sz="2400" cap="none" spc="0" dirty="0">
-                <a:ln w="0"/>
-                <a:solidFill>
-                  <a:schemeClr val="tx1"/>
-                </a:solidFill>
-                <a:effectLst>
-                  <a:outerShdw blurRad="38100" dist="19050" dir="2700000" algn="tl" rotWithShape="0">
-                    <a:schemeClr val="dk1">
-                      <a:alpha val="40000"/>
-                    </a:schemeClr>
-                  </a:outerShdw>
-                </a:effectLst>
-              </a:rPr>
-              <a:t>Предпочтение знакомиться через интернет, но не в живую</a:t>
-            </a:r>
-          </a:p>
-          <a:p>
-            <a:pPr marL="457200" indent="-457200">
-              <a:buFontTx/>
-              <a:buAutoNum type="arabicParenR"/>
-            </a:pPr>
-            <a:r>
-              <a:rPr lang="ru-RU" sz="2400" cap="none" spc="0" dirty="0">
-                <a:ln w="0"/>
-                <a:solidFill>
-                  <a:schemeClr val="tx1"/>
-                </a:solidFill>
-                <a:effectLst>
-                  <a:outerShdw blurRad="38100" dist="19050" dir="2700000" algn="tl" rotWithShape="0">
-                    <a:schemeClr val="dk1">
-                      <a:alpha val="40000"/>
-                    </a:schemeClr>
-                  </a:outerShdw>
-                </a:effectLst>
-              </a:rPr>
-              <a:t>Желание нахождения новых дружеских, но не романтических связей</a:t>
-            </a:r>
-          </a:p>
-          <a:p>
-            <a:pPr marL="457200" indent="-457200">
-              <a:buFontTx/>
-              <a:buAutoNum type="arabicParenR"/>
-            </a:pPr>
-            <a:r>
-              <a:rPr lang="ru-RU" sz="2400" b="0" cap="none" spc="0" dirty="0">
-                <a:ln w="0"/>
-                <a:effectLst>
-                  <a:outerShdw blurRad="38100" dist="19050" dir="2700000" algn="tl" rotWithShape="0">
-                    <a:schemeClr val="dk1">
-                      <a:alpha val="40000"/>
-                    </a:schemeClr>
-                  </a:outerShdw>
-                </a:effectLst>
-              </a:rPr>
-              <a:t>Проблема чувства стыда, которое может быть смягчено </a:t>
-            </a:r>
-            <a:r>
-              <a:rPr lang="ru-RU" sz="2400" dirty="0" err="1">
-                <a:ln w="0"/>
-                <a:effectLst>
-                  <a:outerShdw blurRad="38100" dist="19050" dir="2700000" algn="tl" rotWithShape="0">
-                    <a:schemeClr val="dk1">
-                      <a:alpha val="40000"/>
-                    </a:schemeClr>
-                  </a:outerShdw>
-                </a:effectLst>
-              </a:rPr>
-              <a:t>гаарнтией</a:t>
-            </a:r>
-            <a:r>
-              <a:rPr lang="ru-RU" sz="2400" dirty="0">
-                <a:ln w="0"/>
-                <a:effectLst>
-                  <a:outerShdw blurRad="38100" dist="19050" dir="2700000" algn="tl" rotWithShape="0">
-                    <a:schemeClr val="dk1">
-                      <a:alpha val="40000"/>
-                    </a:schemeClr>
-                  </a:outerShdw>
-                </a:effectLst>
-              </a:rPr>
-              <a:t> приватности</a:t>
-            </a:r>
-            <a:endParaRPr lang="ru-RU" sz="2400" b="0" cap="none" spc="0" dirty="0">
-              <a:ln w="0"/>
-              <a:effectLst>
-                <a:outerShdw blurRad="38100" dist="19050" dir="2700000" algn="tl" rotWithShape="0">
-                  <a:schemeClr val="dk1">
-                    <a:alpha val="40000"/>
-                  </a:schemeClr>
-                </a:outerShdw>
-              </a:effectLst>
-            </a:endParaRPr>
-          </a:p>
-        </p:txBody>
-      </p:sp>
-    </p:spTree>
-    <p:extLst>
-      <p:ext uri="{BB962C8B-B14F-4D97-AF65-F5344CB8AC3E}">
-        <p14:creationId xmlns:p14="http://schemas.microsoft.com/office/powerpoint/2010/main" val="690648402"/>
-      </p:ext>
-    </p:extLst>
-  </p:cSld>
-  <p:clrMapOvr>
-    <a:masterClrMapping/>
-  </p:clrMapOvr>
-</p:sld>
-</file>
-
-<file path=ppt/slides/slide3.xml><?xml version="1.0" encoding="utf-8"?>
-<p:sld xmlns:a="http://schemas.openxmlformats.org/drawingml/2006/main" xmlns:r="http://schemas.openxmlformats.org/officeDocument/2006/relationships" xmlns:p="http://schemas.openxmlformats.org/presentationml/2006/main">
-  <p:cSld>
-    <p:spTree>
-      <p:nvGrpSpPr>
-        <p:cNvPr id="1" name=""/>
-        <p:cNvGrpSpPr/>
-        <p:nvPr/>
-      </p:nvGrpSpPr>
-      <p:grpSpPr>
-        <a:xfrm>
-          <a:off x="0" y="0"/>
-          <a:ext cx="0" cy="0"/>
-          <a:chOff x="0" y="0"/>
-          <a:chExt cx="0" cy="0"/>
-        </a:xfrm>
-      </p:grpSpPr>
-      <p:sp>
-        <p:nvSpPr>
-          <p:cNvPr id="5122" name="object 3">
-            <a:extLst>
-              <a:ext uri="{FF2B5EF4-FFF2-40B4-BE49-F238E27FC236}">
-                <a16:creationId xmlns:a16="http://schemas.microsoft.com/office/drawing/2014/main" id="{1552E794-B5F1-403D-A024-AFA4ECA82802}"/>
-              </a:ext>
-            </a:extLst>
-          </p:cNvPr>
-          <p:cNvSpPr>
-            <a:spLocks/>
-          </p:cNvSpPr>
-          <p:nvPr/>
-        </p:nvSpPr>
-        <p:spPr bwMode="auto">
-          <a:xfrm flipV="1">
-            <a:off x="375360" y="6345833"/>
-            <a:ext cx="4767262" cy="117475"/>
-          </a:xfrm>
-          <a:custGeom>
-            <a:avLst/>
-            <a:gdLst>
-              <a:gd name="T0" fmla="*/ 0 w 9148445"/>
-              <a:gd name="T1" fmla="*/ 0 h 117475"/>
-              <a:gd name="T2" fmla="*/ 25915 w 9148445"/>
-              <a:gd name="T3" fmla="*/ 0 h 117475"/>
-              <a:gd name="T4" fmla="*/ 0 60000 65536"/>
-              <a:gd name="T5" fmla="*/ 0 60000 65536"/>
-            </a:gdLst>
-            <a:ahLst/>
-            <a:cxnLst>
-              <a:cxn ang="T4">
-                <a:pos x="T0" y="T1"/>
-              </a:cxn>
-              <a:cxn ang="T5">
-                <a:pos x="T2" y="T3"/>
-              </a:cxn>
-            </a:cxnLst>
-            <a:rect l="0" t="0" r="r" b="b"/>
-            <a:pathLst>
-              <a:path w="9148445" h="117475">
-                <a:moveTo>
-                  <a:pt x="0" y="0"/>
-                </a:moveTo>
-                <a:lnTo>
-                  <a:pt x="9147812" y="0"/>
-                </a:lnTo>
-              </a:path>
-            </a:pathLst>
-          </a:custGeom>
-          <a:noFill/>
-          <a:ln w="7199">
-            <a:solidFill>
-              <a:srgbClr val="808080"/>
-            </a:solidFill>
-            <a:round/>
-            <a:headEnd/>
-            <a:tailEnd/>
-          </a:ln>
-          <a:extLst>
-            <a:ext uri="{909E8E84-426E-40DD-AFC4-6F175D3DCCD1}">
-              <a14:hiddenFill xmlns:a14="http://schemas.microsoft.com/office/drawing/2010/main">
-                <a:solidFill>
-                  <a:srgbClr val="FFFFFF"/>
-                </a:solidFill>
-              </a14:hiddenFill>
-            </a:ext>
-          </a:extLst>
-        </p:spPr>
-        <p:txBody>
-          <a:bodyPr lIns="0" tIns="0" rIns="0" bIns="0"/>
-          <a:lstStyle/>
-          <a:p>
-            <a:endParaRPr lang="ru-RU"/>
-          </a:p>
-        </p:txBody>
-      </p:sp>
-      <p:sp>
-        <p:nvSpPr>
-          <p:cNvPr id="3" name="Google Shape;226;p3"/>
-          <p:cNvSpPr/>
-          <p:nvPr/>
-        </p:nvSpPr>
-        <p:spPr>
-          <a:xfrm>
-            <a:off x="410285" y="504825"/>
-            <a:ext cx="9070920" cy="798120"/>
-          </a:xfrm>
-          <a:prstGeom prst="rect">
-            <a:avLst/>
-          </a:prstGeom>
-          <a:noFill/>
-          <a:ln w="0">
-            <a:noFill/>
-          </a:ln>
-        </p:spPr>
-        <p:style>
-          <a:lnRef idx="0">
-            <a:scrgbClr r="0" g="0" b="0"/>
-          </a:lnRef>
-          <a:fillRef idx="0">
-            <a:scrgbClr r="0" g="0" b="0"/>
-          </a:fillRef>
-          <a:effectRef idx="0">
-            <a:scrgbClr r="0" g="0" b="0"/>
-          </a:effectRef>
-          <a:fontRef idx="minor"/>
-        </p:style>
-        <p:txBody>
-          <a:bodyPr lIns="0" tIns="0" rIns="0" bIns="0" anchor="ctr">
-            <a:noAutofit/>
-          </a:bodyPr>
-          <a:lstStyle/>
-          <a:p>
-            <a:pPr algn="ctr">
-              <a:lnSpc>
-                <a:spcPct val="100000"/>
-              </a:lnSpc>
-              <a:tabLst>
-                <a:tab pos="0" algn="l"/>
-              </a:tabLst>
-            </a:pPr>
-            <a:endParaRPr lang="ru-RU" sz="3600" b="1" strike="noStrike" spc="-1" dirty="0">
-              <a:latin typeface="Arial"/>
-            </a:endParaRPr>
-          </a:p>
-        </p:txBody>
-      </p:sp>
-      <p:sp>
-        <p:nvSpPr>
-          <p:cNvPr id="4" name="Google Shape;227;p3"/>
-          <p:cNvSpPr/>
-          <p:nvPr/>
-        </p:nvSpPr>
-        <p:spPr>
-          <a:xfrm>
-            <a:off x="539640" y="1571625"/>
-            <a:ext cx="8962200" cy="4018455"/>
-          </a:xfrm>
-          <a:prstGeom prst="rect">
-            <a:avLst/>
-          </a:prstGeom>
-          <a:noFill/>
-          <a:ln w="0">
-            <a:noFill/>
-          </a:ln>
-        </p:spPr>
-        <p:style>
-          <a:lnRef idx="0">
-            <a:scrgbClr r="0" g="0" b="0"/>
-          </a:lnRef>
-          <a:fillRef idx="0">
-            <a:scrgbClr r="0" g="0" b="0"/>
-          </a:fillRef>
-          <a:effectRef idx="0">
-            <a:scrgbClr r="0" g="0" b="0"/>
-          </a:effectRef>
-          <a:fontRef idx="minor"/>
-        </p:style>
-        <p:txBody>
-          <a:bodyPr lIns="0" tIns="0" rIns="0" bIns="0">
-            <a:normAutofit/>
-          </a:bodyPr>
-          <a:lstStyle/>
-          <a:p>
-            <a:pPr marL="457200">
-              <a:lnSpc>
-                <a:spcPct val="100000"/>
-              </a:lnSpc>
-              <a:tabLst>
-                <a:tab pos="0" algn="l"/>
-              </a:tabLst>
-            </a:pPr>
-            <a:endParaRPr lang="ru-RU" sz="2800" b="0" strike="noStrike" spc="-1" dirty="0">
-              <a:latin typeface="Arial"/>
-            </a:endParaRPr>
-          </a:p>
-        </p:txBody>
-      </p:sp>
-      <p:sp>
-        <p:nvSpPr>
-          <p:cNvPr id="5" name="Нижний колонтитул 4"/>
-          <p:cNvSpPr>
-            <a:spLocks noGrp="1"/>
-          </p:cNvSpPr>
-          <p:nvPr>
-            <p:ph type="ftr" sz="quarter" idx="5"/>
-          </p:nvPr>
-        </p:nvSpPr>
-        <p:spPr/>
-        <p:txBody>
-          <a:bodyPr/>
-          <a:lstStyle/>
-          <a:p>
-            <a:endParaRPr lang="ru-RU" dirty="0"/>
-          </a:p>
-        </p:txBody>
-      </p:sp>
-      <p:sp>
-        <p:nvSpPr>
-          <p:cNvPr id="6" name="Номер слайда 5"/>
-          <p:cNvSpPr>
-            <a:spLocks noGrp="1"/>
-          </p:cNvSpPr>
-          <p:nvPr>
-            <p:ph type="sldNum" sz="quarter" idx="7"/>
-          </p:nvPr>
-        </p:nvSpPr>
-        <p:spPr/>
-        <p:txBody>
-          <a:bodyPr/>
-          <a:lstStyle/>
-          <a:p>
-            <a:fld id="{B6F15528-21DE-4FAA-801E-634DDDAF4B2B}" type="slidenum">
-              <a:rPr lang="ru-RU" sz="2400" smtClean="0"/>
-              <a:pPr/>
-              <a:t>3</a:t>
             </a:fld>
             <a:endParaRPr lang="ru-RU" sz="2400" dirty="0"/>
           </a:p>
@@ -6923,7 +5833,7 @@
 </p:sld>
 </file>
 
-<file path=ppt/slides/slide4.xml><?xml version="1.0" encoding="utf-8"?>
+<file path=ppt/slides/slide3.xml><?xml version="1.0" encoding="utf-8"?>
 <p:sld xmlns:a="http://schemas.openxmlformats.org/drawingml/2006/main" xmlns:r="http://schemas.openxmlformats.org/officeDocument/2006/relationships" xmlns:p="http://schemas.openxmlformats.org/presentationml/2006/main">
   <p:cSld>
     <p:spTree>
@@ -7156,7 +6066,7 @@
             <a:fld id="{B6F15528-21DE-4FAA-801E-634DDDAF4B2B}" type="slidenum">
               <a:rPr lang="ru-RU" sz="2400" smtClean="0"/>
               <a:pPr/>
-              <a:t>4</a:t>
+              <a:t>3</a:t>
             </a:fld>
             <a:endParaRPr lang="ru-RU" sz="2400" dirty="0"/>
           </a:p>
@@ -7585,7 +6495,7 @@
 </p:sld>
 </file>
 
-<file path=ppt/slides/slide5.xml><?xml version="1.0" encoding="utf-8"?>
+<file path=ppt/slides/slide4.xml><?xml version="1.0" encoding="utf-8"?>
 <p:sld xmlns:a="http://schemas.openxmlformats.org/drawingml/2006/main" xmlns:r="http://schemas.openxmlformats.org/officeDocument/2006/relationships" xmlns:p="http://schemas.openxmlformats.org/presentationml/2006/main">
   <p:cSld>
     <p:spTree>
@@ -7818,7 +6728,7 @@
             <a:fld id="{B6F15528-21DE-4FAA-801E-634DDDAF4B2B}" type="slidenum">
               <a:rPr lang="ru-RU" sz="2400" smtClean="0"/>
               <a:pPr/>
-              <a:t>5</a:t>
+              <a:t>4</a:t>
             </a:fld>
             <a:endParaRPr lang="ru-RU" sz="2400" dirty="0"/>
           </a:p>
@@ -7887,7 +6797,7 @@
         <p:spPr>
           <a:xfrm>
             <a:off x="539640" y="1943164"/>
-            <a:ext cx="8789055" cy="1200329"/>
+            <a:ext cx="8789055" cy="1938992"/>
           </a:xfrm>
           <a:prstGeom prst="rect">
             <a:avLst/>
@@ -7963,7 +6873,32 @@
                   </a:outerShdw>
                 </a:effectLst>
               </a:rPr>
-              <a:t>7 c </a:t>
+              <a:t>7 </a:t>
+            </a:r>
+            <a:endParaRPr lang="ru-RU" sz="2400" dirty="0">
+              <a:ln w="0"/>
+              <a:effectLst>
+                <a:outerShdw blurRad="38100" dist="19050" dir="2700000" algn="tl" rotWithShape="0">
+                  <a:schemeClr val="dk1">
+                    <a:alpha val="40000"/>
+                  </a:schemeClr>
+                </a:outerShdw>
+              </a:effectLst>
+            </a:endParaRPr>
+          </a:p>
+          <a:p>
+            <a:r>
+              <a:rPr lang="ru-RU" sz="2400" dirty="0">
+                <a:ln w="0"/>
+                <a:effectLst>
+                  <a:outerShdw blurRad="38100" dist="19050" dir="2700000" algn="tl" rotWithShape="0">
+                    <a:schemeClr val="dk1">
+                      <a:alpha val="40000"/>
+                    </a:schemeClr>
+                  </a:outerShdw>
+                </a:effectLst>
+              </a:rPr>
+              <a:t>Фреймворк</a:t>
             </a:r>
             <a:r>
               <a:rPr lang="en-US" sz="2400" dirty="0">
@@ -7976,7 +6911,7 @@
                   </a:outerShdw>
                 </a:effectLst>
               </a:rPr>
-              <a:t>Spring</a:t>
+              <a:t>: Spring</a:t>
             </a:r>
             <a:r>
               <a:rPr lang="ru-RU" sz="2400" dirty="0">
@@ -8016,6 +6951,47 @@
                 </a:effectLst>
               </a:rPr>
               <a:t> 3.2.2</a:t>
+            </a:r>
+            <a:r>
+              <a:rPr lang="en-US" sz="2400" dirty="0">
+                <a:ln w="0"/>
+                <a:effectLst>
+                  <a:outerShdw blurRad="38100" dist="19050" dir="2700000" algn="tl" rotWithShape="0">
+                    <a:schemeClr val="dk1">
+                      <a:alpha val="40000"/>
+                    </a:schemeClr>
+                  </a:outerShdw>
+                </a:effectLst>
+              </a:rPr>
+              <a:t> (Spring Data JDBC, Spring MVC, Spring </a:t>
+            </a:r>
+          </a:p>
+          <a:p>
+            <a:r>
+              <a:rPr lang="en-US" sz="2400" dirty="0">
+                <a:ln w="0"/>
+                <a:effectLst>
+                  <a:outerShdw blurRad="38100" dist="19050" dir="2700000" algn="tl" rotWithShape="0">
+                    <a:schemeClr val="dk1">
+                      <a:alpha val="40000"/>
+                    </a:schemeClr>
+                  </a:outerShdw>
+                </a:effectLst>
+              </a:rPr>
+              <a:t>	           Security, Spring WebSocket, Spring Actuator</a:t>
+            </a:r>
+            <a:r>
+              <a:rPr lang="ru-RU" sz="2400" dirty="0">
+                <a:ln w="0"/>
+                <a:effectLst>
+                  <a:outerShdw blurRad="38100" dist="19050" dir="2700000" algn="tl" rotWithShape="0">
+                    <a:schemeClr val="dk1">
+                      <a:alpha val="40000"/>
+                    </a:schemeClr>
+                  </a:outerShdw>
+                </a:effectLst>
+              </a:rPr>
+              <a:t>)</a:t>
             </a:r>
             <a:endParaRPr lang="ru-RU" sz="2400" cap="none" spc="0" dirty="0">
               <a:ln w="0"/>
@@ -8174,7 +7150,7 @@
 </p:sld>
 </file>
 
-<file path=ppt/slides/slide6.xml><?xml version="1.0" encoding="utf-8"?>
+<file path=ppt/slides/slide5.xml><?xml version="1.0" encoding="utf-8"?>
 <p:sld xmlns:a="http://schemas.openxmlformats.org/drawingml/2006/main" xmlns:r="http://schemas.openxmlformats.org/officeDocument/2006/relationships" xmlns:p="http://schemas.openxmlformats.org/presentationml/2006/main">
   <p:cSld>
     <p:spTree>
@@ -8407,7 +7383,7 @@
             <a:fld id="{B6F15528-21DE-4FAA-801E-634DDDAF4B2B}" type="slidenum">
               <a:rPr lang="ru-RU" sz="2400" smtClean="0"/>
               <a:pPr/>
-              <a:t>6</a:t>
+              <a:t>5</a:t>
             </a:fld>
             <a:endParaRPr lang="ru-RU" sz="2400" dirty="0"/>
           </a:p>
@@ -8515,8 +7491,8 @@
         </p:blipFill>
         <p:spPr>
           <a:xfrm>
-            <a:off x="0" y="1720693"/>
-            <a:ext cx="10071100" cy="4121464"/>
+            <a:off x="516173" y="2057412"/>
+            <a:ext cx="9226550" cy="3775843"/>
           </a:xfrm>
           <a:prstGeom prst="rect">
             <a:avLst/>
@@ -8536,7 +7512,7 @@
 </p:sld>
 </file>
 
-<file path=ppt/slides/slide7.xml><?xml version="1.0" encoding="utf-8"?>
+<file path=ppt/slides/slide6.xml><?xml version="1.0" encoding="utf-8"?>
 <p:sld xmlns:a="http://schemas.openxmlformats.org/drawingml/2006/main" xmlns:r="http://schemas.openxmlformats.org/officeDocument/2006/relationships" xmlns:p="http://schemas.openxmlformats.org/presentationml/2006/main">
   <p:cSld>
     <p:spTree>
@@ -8769,7 +7745,7 @@
             <a:fld id="{B6F15528-21DE-4FAA-801E-634DDDAF4B2B}" type="slidenum">
               <a:rPr lang="ru-RU" sz="2400" smtClean="0"/>
               <a:pPr/>
-              <a:t>7</a:t>
+              <a:t>6</a:t>
             </a:fld>
             <a:endParaRPr lang="ru-RU" sz="2400" dirty="0"/>
           </a:p>
@@ -8898,7 +7874,7 @@
 </p:sld>
 </file>
 
-<file path=ppt/slides/slide8.xml><?xml version="1.0" encoding="utf-8"?>
+<file path=ppt/slides/slide7.xml><?xml version="1.0" encoding="utf-8"?>
 <p:sld xmlns:a="http://schemas.openxmlformats.org/drawingml/2006/main" xmlns:r="http://schemas.openxmlformats.org/officeDocument/2006/relationships" xmlns:p="http://schemas.openxmlformats.org/presentationml/2006/main">
   <p:cSld>
     <p:spTree>
@@ -9131,7 +8107,7 @@
             <a:fld id="{B6F15528-21DE-4FAA-801E-634DDDAF4B2B}" type="slidenum">
               <a:rPr lang="ru-RU" sz="2400" smtClean="0"/>
               <a:pPr/>
-              <a:t>8</a:t>
+              <a:t>7</a:t>
             </a:fld>
             <a:endParaRPr lang="ru-RU" sz="2400" dirty="0"/>
           </a:p>
@@ -9228,7 +8204,7 @@
 </p:sld>
 </file>
 
-<file path=ppt/slides/slide9.xml><?xml version="1.0" encoding="utf-8"?>
+<file path=ppt/slides/slide8.xml><?xml version="1.0" encoding="utf-8"?>
 <p:sld xmlns:a="http://schemas.openxmlformats.org/drawingml/2006/main" xmlns:r="http://schemas.openxmlformats.org/officeDocument/2006/relationships" xmlns:p="http://schemas.openxmlformats.org/presentationml/2006/main">
   <p:cSld>
     <p:spTree>
@@ -9461,7 +8437,7 @@
             <a:fld id="{B6F15528-21DE-4FAA-801E-634DDDAF4B2B}" type="slidenum">
               <a:rPr lang="ru-RU" sz="2400" smtClean="0"/>
               <a:pPr/>
-              <a:t>9</a:t>
+              <a:t>8</a:t>
             </a:fld>
             <a:endParaRPr lang="ru-RU" sz="2400" dirty="0"/>
           </a:p>
@@ -9549,6 +8525,334 @@
     <p:extLst>
       <p:ext uri="{BB962C8B-B14F-4D97-AF65-F5344CB8AC3E}">
         <p14:creationId xmlns:p14="http://schemas.microsoft.com/office/powerpoint/2010/main" val="2606499315"/>
+      </p:ext>
+    </p:extLst>
+  </p:cSld>
+  <p:clrMapOvr>
+    <a:masterClrMapping/>
+  </p:clrMapOvr>
+</p:sld>
+</file>
+
+<file path=ppt/slides/slide9.xml><?xml version="1.0" encoding="utf-8"?>
+<p:sld xmlns:a="http://schemas.openxmlformats.org/drawingml/2006/main" xmlns:r="http://schemas.openxmlformats.org/officeDocument/2006/relationships" xmlns:p="http://schemas.openxmlformats.org/presentationml/2006/main">
+  <p:cSld>
+    <p:spTree>
+      <p:nvGrpSpPr>
+        <p:cNvPr id="1" name=""/>
+        <p:cNvGrpSpPr/>
+        <p:nvPr/>
+      </p:nvGrpSpPr>
+      <p:grpSpPr>
+        <a:xfrm>
+          <a:off x="0" y="0"/>
+          <a:ext cx="0" cy="0"/>
+          <a:chOff x="0" y="0"/>
+          <a:chExt cx="0" cy="0"/>
+        </a:xfrm>
+      </p:grpSpPr>
+      <p:sp>
+        <p:nvSpPr>
+          <p:cNvPr id="5122" name="object 3">
+            <a:extLst>
+              <a:ext uri="{FF2B5EF4-FFF2-40B4-BE49-F238E27FC236}">
+                <a16:creationId xmlns:a16="http://schemas.microsoft.com/office/drawing/2014/main" id="{1552E794-B5F1-403D-A024-AFA4ECA82802}"/>
+              </a:ext>
+            </a:extLst>
+          </p:cNvPr>
+          <p:cNvSpPr>
+            <a:spLocks/>
+          </p:cNvSpPr>
+          <p:nvPr/>
+        </p:nvSpPr>
+        <p:spPr bwMode="auto">
+          <a:xfrm flipV="1">
+            <a:off x="375360" y="6345833"/>
+            <a:ext cx="4767262" cy="117475"/>
+          </a:xfrm>
+          <a:custGeom>
+            <a:avLst/>
+            <a:gdLst>
+              <a:gd name="T0" fmla="*/ 0 w 9148445"/>
+              <a:gd name="T1" fmla="*/ 0 h 117475"/>
+              <a:gd name="T2" fmla="*/ 25915 w 9148445"/>
+              <a:gd name="T3" fmla="*/ 0 h 117475"/>
+              <a:gd name="T4" fmla="*/ 0 60000 65536"/>
+              <a:gd name="T5" fmla="*/ 0 60000 65536"/>
+            </a:gdLst>
+            <a:ahLst/>
+            <a:cxnLst>
+              <a:cxn ang="T4">
+                <a:pos x="T0" y="T1"/>
+              </a:cxn>
+              <a:cxn ang="T5">
+                <a:pos x="T2" y="T3"/>
+              </a:cxn>
+            </a:cxnLst>
+            <a:rect l="0" t="0" r="r" b="b"/>
+            <a:pathLst>
+              <a:path w="9148445" h="117475">
+                <a:moveTo>
+                  <a:pt x="0" y="0"/>
+                </a:moveTo>
+                <a:lnTo>
+                  <a:pt x="9147812" y="0"/>
+                </a:lnTo>
+              </a:path>
+            </a:pathLst>
+          </a:custGeom>
+          <a:noFill/>
+          <a:ln w="7199">
+            <a:solidFill>
+              <a:srgbClr val="808080"/>
+            </a:solidFill>
+            <a:round/>
+            <a:headEnd/>
+            <a:tailEnd/>
+          </a:ln>
+          <a:extLst>
+            <a:ext uri="{909E8E84-426E-40DD-AFC4-6F175D3DCCD1}">
+              <a14:hiddenFill xmlns:a14="http://schemas.microsoft.com/office/drawing/2010/main">
+                <a:solidFill>
+                  <a:srgbClr val="FFFFFF"/>
+                </a:solidFill>
+              </a14:hiddenFill>
+            </a:ext>
+          </a:extLst>
+        </p:spPr>
+        <p:txBody>
+          <a:bodyPr lIns="0" tIns="0" rIns="0" bIns="0"/>
+          <a:lstStyle/>
+          <a:p>
+            <a:endParaRPr lang="ru-RU"/>
+          </a:p>
+        </p:txBody>
+      </p:sp>
+      <p:sp>
+        <p:nvSpPr>
+          <p:cNvPr id="3" name="Google Shape;226;p3"/>
+          <p:cNvSpPr/>
+          <p:nvPr/>
+        </p:nvSpPr>
+        <p:spPr>
+          <a:xfrm>
+            <a:off x="410285" y="504825"/>
+            <a:ext cx="9070920" cy="798120"/>
+          </a:xfrm>
+          <a:prstGeom prst="rect">
+            <a:avLst/>
+          </a:prstGeom>
+          <a:noFill/>
+          <a:ln w="0">
+            <a:noFill/>
+          </a:ln>
+        </p:spPr>
+        <p:style>
+          <a:lnRef idx="0">
+            <a:scrgbClr r="0" g="0" b="0"/>
+          </a:lnRef>
+          <a:fillRef idx="0">
+            <a:scrgbClr r="0" g="0" b="0"/>
+          </a:fillRef>
+          <a:effectRef idx="0">
+            <a:scrgbClr r="0" g="0" b="0"/>
+          </a:effectRef>
+          <a:fontRef idx="minor"/>
+        </p:style>
+        <p:txBody>
+          <a:bodyPr lIns="0" tIns="0" rIns="0" bIns="0" anchor="ctr">
+            <a:noAutofit/>
+          </a:bodyPr>
+          <a:lstStyle/>
+          <a:p>
+            <a:pPr algn="ctr">
+              <a:lnSpc>
+                <a:spcPct val="100000"/>
+              </a:lnSpc>
+              <a:tabLst>
+                <a:tab pos="0" algn="l"/>
+              </a:tabLst>
+            </a:pPr>
+            <a:endParaRPr lang="ru-RU" sz="3600" b="1" strike="noStrike" spc="-1" dirty="0">
+              <a:latin typeface="Arial"/>
+            </a:endParaRPr>
+          </a:p>
+        </p:txBody>
+      </p:sp>
+      <p:sp>
+        <p:nvSpPr>
+          <p:cNvPr id="4" name="Google Shape;227;p3"/>
+          <p:cNvSpPr/>
+          <p:nvPr/>
+        </p:nvSpPr>
+        <p:spPr>
+          <a:xfrm>
+            <a:off x="539640" y="1571625"/>
+            <a:ext cx="8962200" cy="4018455"/>
+          </a:xfrm>
+          <a:prstGeom prst="rect">
+            <a:avLst/>
+          </a:prstGeom>
+          <a:noFill/>
+          <a:ln w="0">
+            <a:noFill/>
+          </a:ln>
+        </p:spPr>
+        <p:style>
+          <a:lnRef idx="0">
+            <a:scrgbClr r="0" g="0" b="0"/>
+          </a:lnRef>
+          <a:fillRef idx="0">
+            <a:scrgbClr r="0" g="0" b="0"/>
+          </a:fillRef>
+          <a:effectRef idx="0">
+            <a:scrgbClr r="0" g="0" b="0"/>
+          </a:effectRef>
+          <a:fontRef idx="minor"/>
+        </p:style>
+        <p:txBody>
+          <a:bodyPr lIns="0" tIns="0" rIns="0" bIns="0">
+            <a:normAutofit/>
+          </a:bodyPr>
+          <a:lstStyle/>
+          <a:p>
+            <a:pPr marL="457200">
+              <a:lnSpc>
+                <a:spcPct val="100000"/>
+              </a:lnSpc>
+              <a:tabLst>
+                <a:tab pos="0" algn="l"/>
+              </a:tabLst>
+            </a:pPr>
+            <a:endParaRPr lang="ru-RU" sz="2800" b="0" strike="noStrike" spc="-1" dirty="0">
+              <a:latin typeface="Arial"/>
+            </a:endParaRPr>
+          </a:p>
+        </p:txBody>
+      </p:sp>
+      <p:sp>
+        <p:nvSpPr>
+          <p:cNvPr id="5" name="Нижний колонтитул 4"/>
+          <p:cNvSpPr>
+            <a:spLocks noGrp="1"/>
+          </p:cNvSpPr>
+          <p:nvPr>
+            <p:ph type="ftr" sz="quarter" idx="5"/>
+          </p:nvPr>
+        </p:nvSpPr>
+        <p:spPr/>
+        <p:txBody>
+          <a:bodyPr/>
+          <a:lstStyle/>
+          <a:p>
+            <a:endParaRPr lang="ru-RU" dirty="0"/>
+          </a:p>
+        </p:txBody>
+      </p:sp>
+      <p:sp>
+        <p:nvSpPr>
+          <p:cNvPr id="6" name="Номер слайда 5"/>
+          <p:cNvSpPr>
+            <a:spLocks noGrp="1"/>
+          </p:cNvSpPr>
+          <p:nvPr>
+            <p:ph type="sldNum" sz="quarter" idx="7"/>
+          </p:nvPr>
+        </p:nvSpPr>
+        <p:spPr/>
+        <p:txBody>
+          <a:bodyPr/>
+          <a:lstStyle/>
+          <a:p>
+            <a:fld id="{B6F15528-21DE-4FAA-801E-634DDDAF4B2B}" type="slidenum">
+              <a:rPr lang="ru-RU" sz="2400" smtClean="0"/>
+              <a:pPr/>
+              <a:t>9</a:t>
+            </a:fld>
+            <a:endParaRPr lang="ru-RU" sz="2400" dirty="0"/>
+          </a:p>
+        </p:txBody>
+      </p:sp>
+      <p:sp>
+        <p:nvSpPr>
+          <p:cNvPr id="12" name="Прямоугольник 11">
+            <a:extLst>
+              <a:ext uri="{FF2B5EF4-FFF2-40B4-BE49-F238E27FC236}">
+                <a16:creationId xmlns:a16="http://schemas.microsoft.com/office/drawing/2014/main" id="{62ED674E-1D8B-4440-BAC6-507A2557A6CE}"/>
+              </a:ext>
+            </a:extLst>
+          </p:cNvPr>
+          <p:cNvSpPr/>
+          <p:nvPr/>
+        </p:nvSpPr>
+        <p:spPr>
+          <a:xfrm>
+            <a:off x="1960830" y="709629"/>
+            <a:ext cx="6149440" cy="923330"/>
+          </a:xfrm>
+          <a:prstGeom prst="rect">
+            <a:avLst/>
+          </a:prstGeom>
+          <a:noFill/>
+        </p:spPr>
+        <p:txBody>
+          <a:bodyPr wrap="none" lIns="91440" tIns="45720" rIns="91440" bIns="45720">
+            <a:spAutoFit/>
+          </a:bodyPr>
+          <a:lstStyle/>
+          <a:p>
+            <a:pPr algn="ctr"/>
+            <a:r>
+              <a:rPr lang="ru-RU" sz="5400" dirty="0">
+                <a:ln w="0"/>
+                <a:solidFill>
+                  <a:schemeClr val="accent1"/>
+                </a:solidFill>
+                <a:effectLst>
+                  <a:outerShdw blurRad="38100" dist="25400" dir="5400000" algn="ctr" rotWithShape="0">
+                    <a:srgbClr val="6E747A">
+                      <a:alpha val="43000"/>
+                    </a:srgbClr>
+                  </a:outerShdw>
+                </a:effectLst>
+              </a:rPr>
+              <a:t>История разработки</a:t>
+            </a:r>
+          </a:p>
+        </p:txBody>
+      </p:sp>
+      <p:pic>
+        <p:nvPicPr>
+          <p:cNvPr id="9" name="Рисунок 8">
+            <a:extLst>
+              <a:ext uri="{FF2B5EF4-FFF2-40B4-BE49-F238E27FC236}">
+                <a16:creationId xmlns:a16="http://schemas.microsoft.com/office/drawing/2014/main" id="{ED344CE8-0BF2-4893-A7A2-969EA07CFA91}"/>
+              </a:ext>
+            </a:extLst>
+          </p:cNvPr>
+          <p:cNvPicPr/>
+          <p:nvPr/>
+        </p:nvPicPr>
+        <p:blipFill>
+          <a:blip r:embed="rId3"/>
+          <a:stretch>
+            <a:fillRect/>
+          </a:stretch>
+        </p:blipFill>
+        <p:spPr>
+          <a:xfrm>
+            <a:off x="408020" y="1884269"/>
+            <a:ext cx="9206092" cy="3599518"/>
+          </a:xfrm>
+          <a:prstGeom prst="rect">
+            <a:avLst/>
+          </a:prstGeom>
+        </p:spPr>
+      </p:pic>
+    </p:spTree>
+    <p:extLst>
+      <p:ext uri="{BB962C8B-B14F-4D97-AF65-F5344CB8AC3E}">
+        <p14:creationId xmlns:p14="http://schemas.microsoft.com/office/powerpoint/2010/main" val="994423139"/>
       </p:ext>
     </p:extLst>
   </p:cSld>
@@ -10398,15 +9702,6 @@
 </file>
 
 <file path=customXml/item1.xml><?xml version="1.0" encoding="utf-8"?>
-<?mso-contentType ?>
-<FormTemplates xmlns="http://schemas.microsoft.com/sharepoint/v3/contenttype/forms">
-  <Display>DocumentLibraryForm</Display>
-  <Edit>DocumentLibraryForm</Edit>
-  <New>DocumentLibraryForm</New>
-</FormTemplates>
-</file>
-
-<file path=customXml/item2.xml><?xml version="1.0" encoding="utf-8"?>
 <ct:contentTypeSchema xmlns:ct="http://schemas.microsoft.com/office/2006/metadata/contentType" xmlns:ma="http://schemas.microsoft.com/office/2006/metadata/properties/metaAttributes" ct:_="" ma:_="" ma:contentTypeName="Документ" ma:contentTypeID="0x0101004EB70D563AC46049BC7B46B4FC66E638" ma:contentTypeVersion="8" ma:contentTypeDescription="Создание документа." ma:contentTypeScope="" ma:versionID="96f9fe9bb004313c11d94b02213d4c45">
   <xsd:schema xmlns:xsd="http://www.w3.org/2001/XMLSchema" xmlns:xs="http://www.w3.org/2001/XMLSchema" xmlns:p="http://schemas.microsoft.com/office/2006/metadata/properties" xmlns:ns2="37313419-ce75-419f-bc67-7db1e882d7f8" xmlns:ns3="62b1e959-ddc9-4d39-bbfa-9b16cd65ed3e" targetNamespace="http://schemas.microsoft.com/office/2006/metadata/properties" ma:root="true" ma:fieldsID="0c5efac1d309e13607b7f5e05ac20bea" ns2:_="" ns3:_="">
     <xsd:import namespace="37313419-ce75-419f-bc67-7db1e882d7f8"/>
@@ -10595,21 +9890,22 @@
 </ct:contentTypeSchema>
 </file>
 
-<file path=customXml/item3.xml><?xml version="1.0" encoding="utf-8"?>
+<file path=customXml/item2.xml><?xml version="1.0" encoding="utf-8"?>
 <p:properties xmlns:p="http://schemas.microsoft.com/office/2006/metadata/properties" xmlns:xsi="http://www.w3.org/2001/XMLSchema-instance" xmlns:pc="http://schemas.microsoft.com/office/infopath/2007/PartnerControls">
   <documentManagement/>
 </p:properties>
 </file>
 
-<file path=customXml/itemProps1.xml><?xml version="1.0" encoding="utf-8"?>
-<ds:datastoreItem xmlns:ds="http://schemas.openxmlformats.org/officeDocument/2006/customXml" ds:itemID="{8B9023BB-5157-4152-BC9D-0BAA1F4FFE4D}">
-  <ds:schemaRefs>
-    <ds:schemaRef ds:uri="http://schemas.microsoft.com/sharepoint/v3/contenttype/forms"/>
-  </ds:schemaRefs>
-</ds:datastoreItem>
+<file path=customXml/item3.xml><?xml version="1.0" encoding="utf-8"?>
+<?mso-contentType ?>
+<FormTemplates xmlns="http://schemas.microsoft.com/sharepoint/v3/contenttype/forms">
+  <Display>DocumentLibraryForm</Display>
+  <Edit>DocumentLibraryForm</Edit>
+  <New>DocumentLibraryForm</New>
+</FormTemplates>
 </file>
 
-<file path=customXml/itemProps2.xml><?xml version="1.0" encoding="utf-8"?>
+<file path=customXml/itemProps1.xml><?xml version="1.0" encoding="utf-8"?>
 <ds:datastoreItem xmlns:ds="http://schemas.openxmlformats.org/officeDocument/2006/customXml" ds:itemID="{E02D8B35-BC69-4344-AF03-6F81AE69FDA6}">
   <ds:schemaRefs>
     <ds:schemaRef ds:uri="http://schemas.microsoft.com/office/2006/metadata/contentType"/>
@@ -10628,11 +9924,19 @@
 </ds:datastoreItem>
 </file>
 
-<file path=customXml/itemProps3.xml><?xml version="1.0" encoding="utf-8"?>
+<file path=customXml/itemProps2.xml><?xml version="1.0" encoding="utf-8"?>
 <ds:datastoreItem xmlns:ds="http://schemas.openxmlformats.org/officeDocument/2006/customXml" ds:itemID="{26708F14-5FDA-4211-8CAB-EC4BE6ADBDBF}">
   <ds:schemaRefs>
     <ds:schemaRef ds:uri="http://schemas.microsoft.com/office/2006/metadata/properties"/>
     <ds:schemaRef ds:uri="http://schemas.microsoft.com/office/infopath/2007/PartnerControls"/>
   </ds:schemaRefs>
 </ds:datastoreItem>
+</file>
+
+<file path=customXml/itemProps3.xml><?xml version="1.0" encoding="utf-8"?>
+<ds:datastoreItem xmlns:ds="http://schemas.openxmlformats.org/officeDocument/2006/customXml" ds:itemID="{8B9023BB-5157-4152-BC9D-0BAA1F4FFE4D}">
+  <ds:schemaRefs>
+    <ds:schemaRef ds:uri="http://schemas.microsoft.com/sharepoint/v3/contenttype/forms"/>
+  </ds:schemaRefs>
+</ds:datastoreItem>
 </file>
--- a/2024,ВКР,ПетровИС,ЯГТУ,ЭПИ-41.pptx
+++ b/2024,ВКР,ПетровИС,ЯГТУ,ЭПИ-41.pptx
@@ -7471,10 +7471,10 @@
       </p:sp>
       <p:pic>
         <p:nvPicPr>
-          <p:cNvPr id="8" name="Рисунок 7">
+          <p:cNvPr id="9" name="Рисунок 8">
             <a:extLst>
               <a:ext uri="{FF2B5EF4-FFF2-40B4-BE49-F238E27FC236}">
-                <a16:creationId xmlns:a16="http://schemas.microsoft.com/office/drawing/2014/main" id="{DC1E42A8-F37F-4856-A068-19F3D181F775}"/>
+                <a16:creationId xmlns:a16="http://schemas.microsoft.com/office/drawing/2014/main" id="{EE22A3AA-4DE0-40B8-892C-7226B9467900}"/>
               </a:ext>
             </a:extLst>
           </p:cNvPr>
@@ -7491,8 +7491,8 @@
         </p:blipFill>
         <p:spPr>
           <a:xfrm>
-            <a:off x="516173" y="2057412"/>
-            <a:ext cx="9226550" cy="3775843"/>
+            <a:off x="0" y="1722525"/>
+            <a:ext cx="10071100" cy="4117800"/>
           </a:xfrm>
           <a:prstGeom prst="rect">
             <a:avLst/>
@@ -7833,10 +7833,10 @@
       </p:sp>
       <p:pic>
         <p:nvPicPr>
-          <p:cNvPr id="7" name="Рисунок 6">
+          <p:cNvPr id="8" name="Рисунок 7">
             <a:extLst>
               <a:ext uri="{FF2B5EF4-FFF2-40B4-BE49-F238E27FC236}">
-                <a16:creationId xmlns:a16="http://schemas.microsoft.com/office/drawing/2014/main" id="{BF7C098F-4B37-4E88-A0D7-6BDF1599A1CE}"/>
+                <a16:creationId xmlns:a16="http://schemas.microsoft.com/office/drawing/2014/main" id="{9BCB3749-587D-411E-9428-EFDA47E6A1EF}"/>
               </a:ext>
             </a:extLst>
           </p:cNvPr>
@@ -7853,8 +7853,8 @@
         </p:blipFill>
         <p:spPr>
           <a:xfrm>
-            <a:off x="0" y="1152390"/>
-            <a:ext cx="10071100" cy="5258070"/>
+            <a:off x="0" y="1207458"/>
+            <a:ext cx="10071100" cy="5147934"/>
           </a:xfrm>
           <a:prstGeom prst="rect">
             <a:avLst/>
@@ -8163,10 +8163,10 @@
       </p:sp>
       <p:pic>
         <p:nvPicPr>
-          <p:cNvPr id="10" name="Рисунок 9">
+          <p:cNvPr id="8" name="Рисунок 7">
             <a:extLst>
               <a:ext uri="{FF2B5EF4-FFF2-40B4-BE49-F238E27FC236}">
-                <a16:creationId xmlns:a16="http://schemas.microsoft.com/office/drawing/2014/main" id="{CCFC186E-1951-4F92-8B8E-63FC290786DA}"/>
+                <a16:creationId xmlns:a16="http://schemas.microsoft.com/office/drawing/2014/main" id="{908259B0-72BF-4E00-8218-863CC9D5FE51}"/>
               </a:ext>
             </a:extLst>
           </p:cNvPr>
@@ -8183,8 +8183,8 @@
         </p:blipFill>
         <p:spPr>
           <a:xfrm>
-            <a:off x="635682" y="1726440"/>
-            <a:ext cx="8620125" cy="4352925"/>
+            <a:off x="162186" y="1498140"/>
+            <a:ext cx="9746727" cy="4723777"/>
           </a:xfrm>
           <a:prstGeom prst="rect">
             <a:avLst/>
@@ -9891,18 +9891,18 @@
 </file>
 
 <file path=customXml/item2.xml><?xml version="1.0" encoding="utf-8"?>
-<p:properties xmlns:p="http://schemas.microsoft.com/office/2006/metadata/properties" xmlns:xsi="http://www.w3.org/2001/XMLSchema-instance" xmlns:pc="http://schemas.microsoft.com/office/infopath/2007/PartnerControls">
-  <documentManagement/>
-</p:properties>
-</file>
-
-<file path=customXml/item3.xml><?xml version="1.0" encoding="utf-8"?>
 <?mso-contentType ?>
 <FormTemplates xmlns="http://schemas.microsoft.com/sharepoint/v3/contenttype/forms">
   <Display>DocumentLibraryForm</Display>
   <Edit>DocumentLibraryForm</Edit>
   <New>DocumentLibraryForm</New>
 </FormTemplates>
+</file>
+
+<file path=customXml/item3.xml><?xml version="1.0" encoding="utf-8"?>
+<p:properties xmlns:p="http://schemas.microsoft.com/office/2006/metadata/properties" xmlns:xsi="http://www.w3.org/2001/XMLSchema-instance" xmlns:pc="http://schemas.microsoft.com/office/infopath/2007/PartnerControls">
+  <documentManagement/>
+</p:properties>
 </file>
 
 <file path=customXml/itemProps1.xml><?xml version="1.0" encoding="utf-8"?>
@@ -9925,18 +9925,18 @@
 </file>
 
 <file path=customXml/itemProps2.xml><?xml version="1.0" encoding="utf-8"?>
+<ds:datastoreItem xmlns:ds="http://schemas.openxmlformats.org/officeDocument/2006/customXml" ds:itemID="{8B9023BB-5157-4152-BC9D-0BAA1F4FFE4D}">
+  <ds:schemaRefs>
+    <ds:schemaRef ds:uri="http://schemas.microsoft.com/sharepoint/v3/contenttype/forms"/>
+  </ds:schemaRefs>
+</ds:datastoreItem>
+</file>
+
+<file path=customXml/itemProps3.xml><?xml version="1.0" encoding="utf-8"?>
 <ds:datastoreItem xmlns:ds="http://schemas.openxmlformats.org/officeDocument/2006/customXml" ds:itemID="{26708F14-5FDA-4211-8CAB-EC4BE6ADBDBF}">
   <ds:schemaRefs>
     <ds:schemaRef ds:uri="http://schemas.microsoft.com/office/2006/metadata/properties"/>
     <ds:schemaRef ds:uri="http://schemas.microsoft.com/office/infopath/2007/PartnerControls"/>
   </ds:schemaRefs>
 </ds:datastoreItem>
-</file>
-
-<file path=customXml/itemProps3.xml><?xml version="1.0" encoding="utf-8"?>
-<ds:datastoreItem xmlns:ds="http://schemas.openxmlformats.org/officeDocument/2006/customXml" ds:itemID="{8B9023BB-5157-4152-BC9D-0BAA1F4FFE4D}">
-  <ds:schemaRefs>
-    <ds:schemaRef ds:uri="http://schemas.microsoft.com/sharepoint/v3/contenttype/forms"/>
-  </ds:schemaRefs>
-</ds:datastoreItem>
 </file>